--- a/pres-bigdata/Hands-On/BigData-Spark-TD2-part2.pptx
+++ b/pres-bigdata/Hands-On/BigData-Spark-TD2-part2.pptx
@@ -285,7 +285,7 @@
           <a:p>
             <a:fld id="{F68A345C-DDF1-46AA-AE20-BB9626A0470D}" type="datetimeFigureOut">
               <a:rPr lang="fr-FR" smtClean="0"/>
-              <a:t>21/11/2022</a:t>
+              <a:t>13/11/2024</a:t>
             </a:fld>
             <a:endParaRPr lang="fr-FR"/>
           </a:p>
@@ -485,7 +485,7 @@
           <a:p>
             <a:fld id="{F68A345C-DDF1-46AA-AE20-BB9626A0470D}" type="datetimeFigureOut">
               <a:rPr lang="fr-FR" smtClean="0"/>
-              <a:t>21/11/2022</a:t>
+              <a:t>13/11/2024</a:t>
             </a:fld>
             <a:endParaRPr lang="fr-FR"/>
           </a:p>
@@ -695,7 +695,7 @@
           <a:p>
             <a:fld id="{F68A345C-DDF1-46AA-AE20-BB9626A0470D}" type="datetimeFigureOut">
               <a:rPr lang="fr-FR" smtClean="0"/>
-              <a:t>21/11/2022</a:t>
+              <a:t>13/11/2024</a:t>
             </a:fld>
             <a:endParaRPr lang="fr-FR"/>
           </a:p>
@@ -895,7 +895,7 @@
           <a:p>
             <a:fld id="{F68A345C-DDF1-46AA-AE20-BB9626A0470D}" type="datetimeFigureOut">
               <a:rPr lang="fr-FR" smtClean="0"/>
-              <a:t>21/11/2022</a:t>
+              <a:t>13/11/2024</a:t>
             </a:fld>
             <a:endParaRPr lang="fr-FR"/>
           </a:p>
@@ -1171,7 +1171,7 @@
           <a:p>
             <a:fld id="{F68A345C-DDF1-46AA-AE20-BB9626A0470D}" type="datetimeFigureOut">
               <a:rPr lang="fr-FR" smtClean="0"/>
-              <a:t>21/11/2022</a:t>
+              <a:t>13/11/2024</a:t>
             </a:fld>
             <a:endParaRPr lang="fr-FR"/>
           </a:p>
@@ -1439,7 +1439,7 @@
           <a:p>
             <a:fld id="{F68A345C-DDF1-46AA-AE20-BB9626A0470D}" type="datetimeFigureOut">
               <a:rPr lang="fr-FR" smtClean="0"/>
-              <a:t>21/11/2022</a:t>
+              <a:t>13/11/2024</a:t>
             </a:fld>
             <a:endParaRPr lang="fr-FR"/>
           </a:p>
@@ -1854,7 +1854,7 @@
           <a:p>
             <a:fld id="{F68A345C-DDF1-46AA-AE20-BB9626A0470D}" type="datetimeFigureOut">
               <a:rPr lang="fr-FR" smtClean="0"/>
-              <a:t>21/11/2022</a:t>
+              <a:t>13/11/2024</a:t>
             </a:fld>
             <a:endParaRPr lang="fr-FR"/>
           </a:p>
@@ -1996,7 +1996,7 @@
           <a:p>
             <a:fld id="{F68A345C-DDF1-46AA-AE20-BB9626A0470D}" type="datetimeFigureOut">
               <a:rPr lang="fr-FR" smtClean="0"/>
-              <a:t>21/11/2022</a:t>
+              <a:t>13/11/2024</a:t>
             </a:fld>
             <a:endParaRPr lang="fr-FR"/>
           </a:p>
@@ -2109,7 +2109,7 @@
           <a:p>
             <a:fld id="{F68A345C-DDF1-46AA-AE20-BB9626A0470D}" type="datetimeFigureOut">
               <a:rPr lang="fr-FR" smtClean="0"/>
-              <a:t>21/11/2022</a:t>
+              <a:t>13/11/2024</a:t>
             </a:fld>
             <a:endParaRPr lang="fr-FR"/>
           </a:p>
@@ -2422,7 +2422,7 @@
           <a:p>
             <a:fld id="{F68A345C-DDF1-46AA-AE20-BB9626A0470D}" type="datetimeFigureOut">
               <a:rPr lang="fr-FR" smtClean="0"/>
-              <a:t>21/11/2022</a:t>
+              <a:t>13/11/2024</a:t>
             </a:fld>
             <a:endParaRPr lang="fr-FR"/>
           </a:p>
@@ -2711,7 +2711,7 @@
           <a:p>
             <a:fld id="{F68A345C-DDF1-46AA-AE20-BB9626A0470D}" type="datetimeFigureOut">
               <a:rPr lang="fr-FR" smtClean="0"/>
-              <a:t>21/11/2022</a:t>
+              <a:t>13/11/2024</a:t>
             </a:fld>
             <a:endParaRPr lang="fr-FR"/>
           </a:p>
@@ -2954,7 +2954,7 @@
           <a:p>
             <a:fld id="{F68A345C-DDF1-46AA-AE20-BB9626A0470D}" type="datetimeFigureOut">
               <a:rPr lang="fr-FR" smtClean="0"/>
-              <a:t>21/11/2022</a:t>
+              <a:t>13/11/2024</a:t>
             </a:fld>
             <a:endParaRPr lang="fr-FR"/>
           </a:p>
@@ -3387,7 +3387,12 @@
             <p:ph type="ctrTitle"/>
           </p:nvPr>
         </p:nvSpPr>
-        <p:spPr/>
+        <p:spPr>
+          <a:xfrm>
+            <a:off x="1524000" y="1122362"/>
+            <a:ext cx="9144000" cy="3313159"/>
+          </a:xfrm>
+        </p:spPr>
         <p:txBody>
           <a:bodyPr>
             <a:normAutofit/>
@@ -3408,6 +3413,16 @@
             <a:r>
               <a:rPr lang="fr-FR" dirty="0"/>
               <a:t>Hands-On File IO - Parquet</a:t>
+            </a:r>
+            <a:br>
+              <a:rPr lang="fr-FR" dirty="0"/>
+            </a:br>
+            <a:br>
+              <a:rPr lang="fr-FR" dirty="0"/>
+            </a:br>
+            <a:r>
+              <a:rPr lang="fr-FR" dirty="0"/>
+              <a:t>TD2 - part 2/2</a:t>
             </a:r>
           </a:p>
         </p:txBody>
@@ -3430,8 +3445,8 @@
         </p:nvSpPr>
         <p:spPr>
           <a:xfrm>
-            <a:off x="1524000" y="5663953"/>
-            <a:ext cx="9144000" cy="592584"/>
+            <a:off x="1524000" y="5208896"/>
+            <a:ext cx="9144000" cy="1047641"/>
           </a:xfrm>
         </p:spPr>
         <p:txBody>
@@ -3442,26 +3457,21 @@
           <a:p>
             <a:r>
               <a:rPr lang="fr-FR" dirty="0"/>
-              <a:t>Arnaud </a:t>
-            </a:r>
-            <a:r>
-              <a:rPr lang="fr-FR" dirty="0" err="1"/>
-              <a:t>Nauwynck</a:t>
-            </a:r>
+              <a:t>arnaud.nauwynck@gmail.com</a:t>
+            </a:r>
+          </a:p>
+          <a:p>
             <a:br>
               <a:rPr lang="fr-FR" dirty="0"/>
             </a:br>
             <a:r>
               <a:rPr lang="fr-FR" dirty="0" err="1"/>
-              <a:t>Nov</a:t>
-            </a:r>
-            <a:r>
-              <a:rPr lang="fr-FR" dirty="0"/>
-              <a:t> 2022</a:t>
-            </a:r>
-          </a:p>
-          <a:p>
-            <a:endParaRPr lang="fr-FR" dirty="0"/>
+              <a:t>Esilv</a:t>
+            </a:r>
+            <a:r>
+              <a:rPr lang="fr-FR" dirty="0"/>
+              <a:t> 2024</a:t>
+            </a:r>
           </a:p>
         </p:txBody>
       </p:sp>
